--- a/df20220904_Video_Text_v01.pptx
+++ b/df20220904_Video_Text_v01.pptx
@@ -6,10 +6,19 @@
   </p:sldMasterIdLst>
   <p:sldIdLst>
     <p:sldId id="256" r:id="rId2"/>
-    <p:sldId id="257" r:id="rId3"/>
-    <p:sldId id="259" r:id="rId4"/>
-    <p:sldId id="260" r:id="rId5"/>
-    <p:sldId id="261" r:id="rId6"/>
+    <p:sldId id="263" r:id="rId3"/>
+    <p:sldId id="264" r:id="rId4"/>
+    <p:sldId id="265" r:id="rId5"/>
+    <p:sldId id="266" r:id="rId6"/>
+    <p:sldId id="267" r:id="rId7"/>
+    <p:sldId id="268" r:id="rId8"/>
+    <p:sldId id="269" r:id="rId9"/>
+    <p:sldId id="270" r:id="rId10"/>
+    <p:sldId id="262" r:id="rId11"/>
+    <p:sldId id="257" r:id="rId12"/>
+    <p:sldId id="259" r:id="rId13"/>
+    <p:sldId id="260" r:id="rId14"/>
+    <p:sldId id="261" r:id="rId15"/>
   </p:sldIdLst>
   <p:sldSz cx="12192000" cy="6858000"/>
   <p:notesSz cx="6858000" cy="9144000"/>
@@ -108,6 +117,11 @@
       </a:defRPr>
     </a:lvl9pPr>
   </p:defaultTextStyle>
+  <p:extLst>
+    <p:ext uri="{EFAFB233-063F-42B5-8137-9DF3F51BA10A}">
+      <p15:sldGuideLst xmlns:p15="http://schemas.microsoft.com/office/powerpoint/2012/main"/>
+    </p:ext>
+  </p:extLst>
 </p:presentation>
 </file>
 
@@ -3339,6 +3353,76 @@
         </p:nvSpPr>
         <p:spPr>
           <a:xfrm>
+            <a:off x="267629" y="1511468"/>
+            <a:ext cx="11574966" cy="3046988"/>
+          </a:xfrm>
+          <a:prstGeom prst="rect">
+            <a:avLst/>
+          </a:prstGeom>
+          <a:noFill/>
+        </p:spPr>
+        <p:txBody>
+          <a:bodyPr wrap="square" rtlCol="0">
+            <a:spAutoFit/>
+          </a:bodyPr>
+          <a:lstStyle/>
+          <a:p>
+            <a:pPr algn="ctr"/>
+            <a:r>
+              <a:rPr lang="en-US" sz="9600" b="1" dirty="0">
+                <a:solidFill>
+                  <a:srgbClr val="0000FF"/>
+                </a:solidFill>
+              </a:rPr>
+              <a:t>How to use the CNC to create Robot parts</a:t>
+            </a:r>
+          </a:p>
+        </p:txBody>
+      </p:sp>
+    </p:spTree>
+    <p:extLst>
+      <p:ext uri="{BB962C8B-B14F-4D97-AF65-F5344CB8AC3E}">
+        <p14:creationId xmlns:p14="http://schemas.microsoft.com/office/powerpoint/2010/main" val="1140656550"/>
+      </p:ext>
+    </p:extLst>
+  </p:cSld>
+  <p:clrMapOvr>
+    <a:masterClrMapping/>
+  </p:clrMapOvr>
+</p:sld>
+</file>
+
+<file path=ppt/slides/slide10.xml><?xml version="1.0" encoding="utf-8"?>
+<p:sld xmlns:a="http://schemas.openxmlformats.org/drawingml/2006/main" xmlns:r="http://schemas.openxmlformats.org/officeDocument/2006/relationships" xmlns:p="http://schemas.openxmlformats.org/presentationml/2006/main">
+  <p:cSld>
+    <p:spTree>
+      <p:nvGrpSpPr>
+        <p:cNvPr id="1" name=""/>
+        <p:cNvGrpSpPr/>
+        <p:nvPr/>
+      </p:nvGrpSpPr>
+      <p:grpSpPr>
+        <a:xfrm>
+          <a:off x="0" y="0"/>
+          <a:ext cx="0" cy="0"/>
+          <a:chOff x="0" y="0"/>
+          <a:chExt cx="0" cy="0"/>
+        </a:xfrm>
+      </p:grpSpPr>
+      <p:sp>
+        <p:nvSpPr>
+          <p:cNvPr id="4" name="TextBox 3">
+            <a:extLst>
+              <a:ext uri="{FF2B5EF4-FFF2-40B4-BE49-F238E27FC236}">
+                <a16:creationId xmlns:a16="http://schemas.microsoft.com/office/drawing/2014/main" id="{D18E1B1B-D8C6-3F5A-04B0-DDE68D32E938}"/>
+              </a:ext>
+            </a:extLst>
+          </p:cNvPr>
+          <p:cNvSpPr txBox="1"/>
+          <p:nvPr/>
+        </p:nvSpPr>
+        <p:spPr>
+          <a:xfrm>
             <a:off x="1055862" y="1511468"/>
             <a:ext cx="10308824" cy="3046988"/>
           </a:xfrm>
@@ -3368,7 +3452,344 @@
     </p:spTree>
     <p:extLst>
       <p:ext uri="{BB962C8B-B14F-4D97-AF65-F5344CB8AC3E}">
-        <p14:creationId xmlns:p14="http://schemas.microsoft.com/office/powerpoint/2010/main" val="1140656550"/>
+        <p14:creationId xmlns:p14="http://schemas.microsoft.com/office/powerpoint/2010/main" val="2662270266"/>
+      </p:ext>
+    </p:extLst>
+  </p:cSld>
+  <p:clrMapOvr>
+    <a:masterClrMapping/>
+  </p:clrMapOvr>
+</p:sld>
+</file>
+
+<file path=ppt/slides/slide11.xml><?xml version="1.0" encoding="utf-8"?>
+<p:sld xmlns:a="http://schemas.openxmlformats.org/drawingml/2006/main" xmlns:r="http://schemas.openxmlformats.org/officeDocument/2006/relationships" xmlns:p="http://schemas.openxmlformats.org/presentationml/2006/main">
+  <p:cSld>
+    <p:spTree>
+      <p:nvGrpSpPr>
+        <p:cNvPr id="1" name=""/>
+        <p:cNvGrpSpPr/>
+        <p:nvPr/>
+      </p:nvGrpSpPr>
+      <p:grpSpPr>
+        <a:xfrm>
+          <a:off x="0" y="0"/>
+          <a:ext cx="0" cy="0"/>
+          <a:chOff x="0" y="0"/>
+          <a:chExt cx="0" cy="0"/>
+        </a:xfrm>
+      </p:grpSpPr>
+      <p:sp>
+        <p:nvSpPr>
+          <p:cNvPr id="4" name="TextBox 3">
+            <a:extLst>
+              <a:ext uri="{FF2B5EF4-FFF2-40B4-BE49-F238E27FC236}">
+                <a16:creationId xmlns:a16="http://schemas.microsoft.com/office/drawing/2014/main" id="{D18E1B1B-D8C6-3F5A-04B0-DDE68D32E938}"/>
+              </a:ext>
+            </a:extLst>
+          </p:cNvPr>
+          <p:cNvSpPr txBox="1"/>
+          <p:nvPr/>
+        </p:nvSpPr>
+        <p:spPr>
+          <a:xfrm>
+            <a:off x="1055862" y="1511468"/>
+            <a:ext cx="10308824" cy="4524315"/>
+          </a:xfrm>
+          <a:prstGeom prst="rect">
+            <a:avLst/>
+          </a:prstGeom>
+          <a:noFill/>
+        </p:spPr>
+        <p:txBody>
+          <a:bodyPr wrap="square" rtlCol="0">
+            <a:spAutoFit/>
+          </a:bodyPr>
+          <a:lstStyle/>
+          <a:p>
+            <a:pPr algn="ctr"/>
+            <a:r>
+              <a:rPr lang="en-US" sz="9600" b="1" dirty="0">
+                <a:solidFill>
+                  <a:srgbClr val="0000FF"/>
+                </a:solidFill>
+              </a:rPr>
+              <a:t>Create the</a:t>
+            </a:r>
+          </a:p>
+          <a:p>
+            <a:pPr algn="ctr"/>
+            <a:r>
+              <a:rPr lang="en-US" sz="9600" b="1" dirty="0">
+                <a:solidFill>
+                  <a:srgbClr val="0000FF"/>
+                </a:solidFill>
+              </a:rPr>
+              <a:t>Sensor Mount </a:t>
+            </a:r>
+          </a:p>
+          <a:p>
+            <a:pPr algn="ctr"/>
+            <a:r>
+              <a:rPr lang="en-US" sz="9600" b="1" dirty="0">
+                <a:solidFill>
+                  <a:srgbClr val="0000FF"/>
+                </a:solidFill>
+              </a:rPr>
+              <a:t>in OnShape</a:t>
+            </a:r>
+          </a:p>
+        </p:txBody>
+      </p:sp>
+    </p:spTree>
+    <p:extLst>
+      <p:ext uri="{BB962C8B-B14F-4D97-AF65-F5344CB8AC3E}">
+        <p14:creationId xmlns:p14="http://schemas.microsoft.com/office/powerpoint/2010/main" val="3978682927"/>
+      </p:ext>
+    </p:extLst>
+  </p:cSld>
+  <p:clrMapOvr>
+    <a:masterClrMapping/>
+  </p:clrMapOvr>
+</p:sld>
+</file>
+
+<file path=ppt/slides/slide12.xml><?xml version="1.0" encoding="utf-8"?>
+<p:sld xmlns:a="http://schemas.openxmlformats.org/drawingml/2006/main" xmlns:r="http://schemas.openxmlformats.org/officeDocument/2006/relationships" xmlns:p="http://schemas.openxmlformats.org/presentationml/2006/main">
+  <p:cSld>
+    <p:spTree>
+      <p:nvGrpSpPr>
+        <p:cNvPr id="1" name=""/>
+        <p:cNvGrpSpPr/>
+        <p:nvPr/>
+      </p:nvGrpSpPr>
+      <p:grpSpPr>
+        <a:xfrm>
+          <a:off x="0" y="0"/>
+          <a:ext cx="0" cy="0"/>
+          <a:chOff x="0" y="0"/>
+          <a:chExt cx="0" cy="0"/>
+        </a:xfrm>
+      </p:grpSpPr>
+      <p:sp>
+        <p:nvSpPr>
+          <p:cNvPr id="4" name="TextBox 3">
+            <a:extLst>
+              <a:ext uri="{FF2B5EF4-FFF2-40B4-BE49-F238E27FC236}">
+                <a16:creationId xmlns:a16="http://schemas.microsoft.com/office/drawing/2014/main" id="{D18E1B1B-D8C6-3F5A-04B0-DDE68D32E938}"/>
+              </a:ext>
+            </a:extLst>
+          </p:cNvPr>
+          <p:cNvSpPr txBox="1"/>
+          <p:nvPr/>
+        </p:nvSpPr>
+        <p:spPr>
+          <a:xfrm>
+            <a:off x="509451" y="1511468"/>
+            <a:ext cx="11377749" cy="3046988"/>
+          </a:xfrm>
+          <a:prstGeom prst="rect">
+            <a:avLst/>
+          </a:prstGeom>
+          <a:noFill/>
+        </p:spPr>
+        <p:txBody>
+          <a:bodyPr wrap="square" rtlCol="0">
+            <a:spAutoFit/>
+          </a:bodyPr>
+          <a:lstStyle/>
+          <a:p>
+            <a:pPr algn="ctr"/>
+            <a:r>
+              <a:rPr lang="en-US" sz="9600" b="1" dirty="0">
+                <a:solidFill>
+                  <a:srgbClr val="0000FF"/>
+                </a:solidFill>
+              </a:rPr>
+              <a:t>Export from OnShape </a:t>
+            </a:r>
+          </a:p>
+          <a:p>
+            <a:pPr algn="ctr"/>
+            <a:r>
+              <a:rPr lang="en-US" sz="9600" b="1" dirty="0">
+                <a:solidFill>
+                  <a:srgbClr val="0000FF"/>
+                </a:solidFill>
+              </a:rPr>
+              <a:t>to an </a:t>
+            </a:r>
+            <a:r>
+              <a:rPr lang="en-US" sz="9600" b="1" dirty="0"/>
+              <a:t>.STL </a:t>
+            </a:r>
+            <a:r>
+              <a:rPr lang="en-US" sz="9600" b="1" dirty="0">
+                <a:solidFill>
+                  <a:srgbClr val="0000FF"/>
+                </a:solidFill>
+              </a:rPr>
+              <a:t>File</a:t>
+            </a:r>
+          </a:p>
+        </p:txBody>
+      </p:sp>
+    </p:spTree>
+    <p:extLst>
+      <p:ext uri="{BB962C8B-B14F-4D97-AF65-F5344CB8AC3E}">
+        <p14:creationId xmlns:p14="http://schemas.microsoft.com/office/powerpoint/2010/main" val="3802309886"/>
+      </p:ext>
+    </p:extLst>
+  </p:cSld>
+  <p:clrMapOvr>
+    <a:masterClrMapping/>
+  </p:clrMapOvr>
+</p:sld>
+</file>
+
+<file path=ppt/slides/slide13.xml><?xml version="1.0" encoding="utf-8"?>
+<p:sld xmlns:a="http://schemas.openxmlformats.org/drawingml/2006/main" xmlns:r="http://schemas.openxmlformats.org/officeDocument/2006/relationships" xmlns:p="http://schemas.openxmlformats.org/presentationml/2006/main">
+  <p:cSld>
+    <p:spTree>
+      <p:nvGrpSpPr>
+        <p:cNvPr id="1" name=""/>
+        <p:cNvGrpSpPr/>
+        <p:nvPr/>
+      </p:nvGrpSpPr>
+      <p:grpSpPr>
+        <a:xfrm>
+          <a:off x="0" y="0"/>
+          <a:ext cx="0" cy="0"/>
+          <a:chOff x="0" y="0"/>
+          <a:chExt cx="0" cy="0"/>
+        </a:xfrm>
+      </p:grpSpPr>
+      <p:sp>
+        <p:nvSpPr>
+          <p:cNvPr id="4" name="TextBox 3">
+            <a:extLst>
+              <a:ext uri="{FF2B5EF4-FFF2-40B4-BE49-F238E27FC236}">
+                <a16:creationId xmlns:a16="http://schemas.microsoft.com/office/drawing/2014/main" id="{D18E1B1B-D8C6-3F5A-04B0-DDE68D32E938}"/>
+              </a:ext>
+            </a:extLst>
+          </p:cNvPr>
+          <p:cNvSpPr txBox="1"/>
+          <p:nvPr/>
+        </p:nvSpPr>
+        <p:spPr>
+          <a:xfrm>
+            <a:off x="106680" y="1681285"/>
+            <a:ext cx="11978640" cy="3046988"/>
+          </a:xfrm>
+          <a:prstGeom prst="rect">
+            <a:avLst/>
+          </a:prstGeom>
+          <a:noFill/>
+        </p:spPr>
+        <p:txBody>
+          <a:bodyPr wrap="square" rtlCol="0">
+            <a:spAutoFit/>
+          </a:bodyPr>
+          <a:lstStyle/>
+          <a:p>
+            <a:pPr algn="ctr"/>
+            <a:r>
+              <a:rPr lang="en-US" sz="9600" b="1" dirty="0">
+                <a:solidFill>
+                  <a:srgbClr val="0000FF"/>
+                </a:solidFill>
+              </a:rPr>
+              <a:t>Import </a:t>
+            </a:r>
+            <a:r>
+              <a:rPr lang="en-US" sz="9600" b="1" dirty="0"/>
+              <a:t>.STL </a:t>
+            </a:r>
+            <a:r>
+              <a:rPr lang="en-US" sz="9600" b="1" dirty="0">
+                <a:solidFill>
+                  <a:srgbClr val="0000FF"/>
+                </a:solidFill>
+              </a:rPr>
+              <a:t>File into printer slicing software</a:t>
+            </a:r>
+          </a:p>
+        </p:txBody>
+      </p:sp>
+    </p:spTree>
+    <p:extLst>
+      <p:ext uri="{BB962C8B-B14F-4D97-AF65-F5344CB8AC3E}">
+        <p14:creationId xmlns:p14="http://schemas.microsoft.com/office/powerpoint/2010/main" val="1088663767"/>
+      </p:ext>
+    </p:extLst>
+  </p:cSld>
+  <p:clrMapOvr>
+    <a:masterClrMapping/>
+  </p:clrMapOvr>
+</p:sld>
+</file>
+
+<file path=ppt/slides/slide14.xml><?xml version="1.0" encoding="utf-8"?>
+<p:sld xmlns:a="http://schemas.openxmlformats.org/drawingml/2006/main" xmlns:r="http://schemas.openxmlformats.org/officeDocument/2006/relationships" xmlns:p="http://schemas.openxmlformats.org/presentationml/2006/main">
+  <p:cSld>
+    <p:spTree>
+      <p:nvGrpSpPr>
+        <p:cNvPr id="1" name=""/>
+        <p:cNvGrpSpPr/>
+        <p:nvPr/>
+      </p:nvGrpSpPr>
+      <p:grpSpPr>
+        <a:xfrm>
+          <a:off x="0" y="0"/>
+          <a:ext cx="0" cy="0"/>
+          <a:chOff x="0" y="0"/>
+          <a:chExt cx="0" cy="0"/>
+        </a:xfrm>
+      </p:grpSpPr>
+      <p:sp>
+        <p:nvSpPr>
+          <p:cNvPr id="4" name="TextBox 3">
+            <a:extLst>
+              <a:ext uri="{FF2B5EF4-FFF2-40B4-BE49-F238E27FC236}">
+                <a16:creationId xmlns:a16="http://schemas.microsoft.com/office/drawing/2014/main" id="{D18E1B1B-D8C6-3F5A-04B0-DDE68D32E938}"/>
+              </a:ext>
+            </a:extLst>
+          </p:cNvPr>
+          <p:cNvSpPr txBox="1"/>
+          <p:nvPr/>
+        </p:nvSpPr>
+        <p:spPr>
+          <a:xfrm>
+            <a:off x="53340" y="2282176"/>
+            <a:ext cx="12085320" cy="1569660"/>
+          </a:xfrm>
+          <a:prstGeom prst="rect">
+            <a:avLst/>
+          </a:prstGeom>
+          <a:noFill/>
+        </p:spPr>
+        <p:txBody>
+          <a:bodyPr wrap="square" rtlCol="0">
+            <a:spAutoFit/>
+          </a:bodyPr>
+          <a:lstStyle/>
+          <a:p>
+            <a:pPr algn="ctr"/>
+            <a:r>
+              <a:rPr lang="en-US" sz="9600" b="1" dirty="0">
+                <a:solidFill>
+                  <a:srgbClr val="0000FF"/>
+                </a:solidFill>
+              </a:rPr>
+              <a:t>Print the Sensor Mount</a:t>
+            </a:r>
+          </a:p>
+        </p:txBody>
+      </p:sp>
+    </p:spTree>
+    <p:extLst>
+      <p:ext uri="{BB962C8B-B14F-4D97-AF65-F5344CB8AC3E}">
+        <p14:creationId xmlns:p14="http://schemas.microsoft.com/office/powerpoint/2010/main" val="415362180"/>
       </p:ext>
     </p:extLst>
   </p:cSld>
@@ -3430,29 +3851,23 @@
                   <a:srgbClr val="0000FF"/>
                 </a:solidFill>
               </a:rPr>
-              <a:t>Create the</a:t>
-            </a:r>
-          </a:p>
-          <a:p>
-            <a:pPr algn="ctr"/>
+              <a:t>Create a </a:t>
+            </a:r>
+            <a:r>
+              <a:rPr lang="en-US" sz="9600" b="1" dirty="0">
+                <a:solidFill>
+                  <a:srgbClr val="FF0000"/>
+                </a:solidFill>
+              </a:rPr>
+              <a:t>3D</a:t>
+            </a:r>
             <a:r>
               <a:rPr lang="en-US" sz="9600" b="1" dirty="0">
                 <a:solidFill>
                   <a:srgbClr val="0000FF"/>
                 </a:solidFill>
               </a:rPr>
-              <a:t>Sensor Mount </a:t>
-            </a:r>
-          </a:p>
-          <a:p>
-            <a:pPr algn="ctr"/>
-            <a:r>
-              <a:rPr lang="en-US" sz="9600" b="1" dirty="0">
-                <a:solidFill>
-                  <a:srgbClr val="0000FF"/>
-                </a:solidFill>
-              </a:rPr>
-              <a:t>in OnShape</a:t>
+              <a:t> drawing of the part in OnShape</a:t>
             </a:r>
           </a:p>
         </p:txBody>
@@ -3460,7 +3875,7 @@
     </p:spTree>
     <p:extLst>
       <p:ext uri="{BB962C8B-B14F-4D97-AF65-F5344CB8AC3E}">
-        <p14:creationId xmlns:p14="http://schemas.microsoft.com/office/powerpoint/2010/main" val="3978682927"/>
+        <p14:creationId xmlns:p14="http://schemas.microsoft.com/office/powerpoint/2010/main" val="2540235868"/>
       </p:ext>
     </p:extLst>
   </p:cSld>
@@ -3501,8 +3916,8 @@
         </p:nvSpPr>
         <p:spPr>
           <a:xfrm>
-            <a:off x="509451" y="1511468"/>
-            <a:ext cx="11377749" cy="3046988"/>
+            <a:off x="1055862" y="1511468"/>
+            <a:ext cx="10308824" cy="4524315"/>
           </a:xfrm>
           <a:prstGeom prst="rect">
             <a:avLst/>
@@ -3522,30 +3937,34 @@
                   <a:srgbClr val="0000FF"/>
                 </a:solidFill>
               </a:rPr>
-              <a:t>Export from OnShape </a:t>
-            </a:r>
-          </a:p>
-          <a:p>
-            <a:pPr algn="ctr"/>
+              <a:t>Create a </a:t>
+            </a:r>
+            <a:r>
+              <a:rPr lang="en-US" sz="9600" b="1" dirty="0">
+                <a:solidFill>
+                  <a:srgbClr val="FF0000"/>
+                </a:solidFill>
+              </a:rPr>
+              <a:t>2D</a:t>
+            </a:r>
             <a:r>
               <a:rPr lang="en-US" sz="9600" b="1" dirty="0">
                 <a:solidFill>
                   <a:srgbClr val="0000FF"/>
                 </a:solidFill>
               </a:rPr>
-              <a:t>to an </a:t>
-            </a:r>
-            <a:r>
-              <a:rPr lang="en-US" sz="9600" b="1" dirty="0"/>
-              <a:t>.STL </a:t>
-            </a:r>
+              <a:t> drawing of the part</a:t>
+            </a:r>
+          </a:p>
+          <a:p>
+            <a:pPr algn="ctr"/>
             <a:r>
               <a:rPr lang="en-US" sz="9600" b="1" dirty="0">
                 <a:solidFill>
                   <a:srgbClr val="0000FF"/>
                 </a:solidFill>
               </a:rPr>
-              <a:t>File</a:t>
+              <a:t>and export it</a:t>
             </a:r>
           </a:p>
         </p:txBody>
@@ -3553,7 +3972,7 @@
     </p:spTree>
     <p:extLst>
       <p:ext uri="{BB962C8B-B14F-4D97-AF65-F5344CB8AC3E}">
-        <p14:creationId xmlns:p14="http://schemas.microsoft.com/office/powerpoint/2010/main" val="3802309886"/>
+        <p14:creationId xmlns:p14="http://schemas.microsoft.com/office/powerpoint/2010/main" val="266451071"/>
       </p:ext>
     </p:extLst>
   </p:cSld>
@@ -3594,8 +4013,8 @@
         </p:nvSpPr>
         <p:spPr>
           <a:xfrm>
-            <a:off x="106680" y="1681285"/>
-            <a:ext cx="11978640" cy="3046988"/>
+            <a:off x="1055862" y="1511468"/>
+            <a:ext cx="10308824" cy="4524315"/>
           </a:xfrm>
           <a:prstGeom prst="rect">
             <a:avLst/>
@@ -3615,19 +4034,7 @@
                   <a:srgbClr val="0000FF"/>
                 </a:solidFill>
               </a:rPr>
-              <a:t>Import </a:t>
-            </a:r>
-            <a:r>
-              <a:rPr lang="en-US" sz="9600" b="1" dirty="0"/>
-              <a:t>.STL </a:t>
-            </a:r>
-            <a:r>
-              <a:rPr lang="en-US" sz="9600" b="1" dirty="0">
-                <a:solidFill>
-                  <a:srgbClr val="0000FF"/>
-                </a:solidFill>
-              </a:rPr>
-              <a:t>File into printer slicing software</a:t>
+              <a:t>Import the 2D drawing into VCarve</a:t>
             </a:r>
           </a:p>
         </p:txBody>
@@ -3635,7 +4042,7 @@
     </p:spTree>
     <p:extLst>
       <p:ext uri="{BB962C8B-B14F-4D97-AF65-F5344CB8AC3E}">
-        <p14:creationId xmlns:p14="http://schemas.microsoft.com/office/powerpoint/2010/main" val="1088663767"/>
+        <p14:creationId xmlns:p14="http://schemas.microsoft.com/office/powerpoint/2010/main" val="2552469422"/>
       </p:ext>
     </p:extLst>
   </p:cSld>
@@ -3676,8 +4083,8 @@
         </p:nvSpPr>
         <p:spPr>
           <a:xfrm>
-            <a:off x="53340" y="2282176"/>
-            <a:ext cx="12085320" cy="1569660"/>
+            <a:off x="1055862" y="1511468"/>
+            <a:ext cx="10308824" cy="3046988"/>
           </a:xfrm>
           <a:prstGeom prst="rect">
             <a:avLst/>
@@ -3697,7 +4104,22 @@
                   <a:srgbClr val="0000FF"/>
                 </a:solidFill>
               </a:rPr>
-              <a:t>Print the Sensor Mount</a:t>
+              <a:t>Create the </a:t>
+            </a:r>
+            <a:br>
+              <a:rPr lang="en-US" sz="9600" b="1" dirty="0">
+                <a:solidFill>
+                  <a:srgbClr val="0000FF"/>
+                </a:solidFill>
+              </a:rPr>
+            </a:br>
+            <a:r>
+              <a:rPr lang="en-US" sz="9600" b="1" dirty="0">
+                <a:solidFill>
+                  <a:srgbClr val="0000FF"/>
+                </a:solidFill>
+              </a:rPr>
+              <a:t>CNC Tool Path</a:t>
             </a:r>
           </a:p>
         </p:txBody>
@@ -3705,7 +4127,302 @@
     </p:spTree>
     <p:extLst>
       <p:ext uri="{BB962C8B-B14F-4D97-AF65-F5344CB8AC3E}">
-        <p14:creationId xmlns:p14="http://schemas.microsoft.com/office/powerpoint/2010/main" val="415362180"/>
+        <p14:creationId xmlns:p14="http://schemas.microsoft.com/office/powerpoint/2010/main" val="2009623213"/>
+      </p:ext>
+    </p:extLst>
+  </p:cSld>
+  <p:clrMapOvr>
+    <a:masterClrMapping/>
+  </p:clrMapOvr>
+</p:sld>
+</file>
+
+<file path=ppt/slides/slide6.xml><?xml version="1.0" encoding="utf-8"?>
+<p:sld xmlns:a="http://schemas.openxmlformats.org/drawingml/2006/main" xmlns:r="http://schemas.openxmlformats.org/officeDocument/2006/relationships" xmlns:p="http://schemas.openxmlformats.org/presentationml/2006/main">
+  <p:cSld>
+    <p:spTree>
+      <p:nvGrpSpPr>
+        <p:cNvPr id="1" name=""/>
+        <p:cNvGrpSpPr/>
+        <p:nvPr/>
+      </p:nvGrpSpPr>
+      <p:grpSpPr>
+        <a:xfrm>
+          <a:off x="0" y="0"/>
+          <a:ext cx="0" cy="0"/>
+          <a:chOff x="0" y="0"/>
+          <a:chExt cx="0" cy="0"/>
+        </a:xfrm>
+      </p:grpSpPr>
+      <p:sp>
+        <p:nvSpPr>
+          <p:cNvPr id="4" name="TextBox 3">
+            <a:extLst>
+              <a:ext uri="{FF2B5EF4-FFF2-40B4-BE49-F238E27FC236}">
+                <a16:creationId xmlns:a16="http://schemas.microsoft.com/office/drawing/2014/main" id="{D18E1B1B-D8C6-3F5A-04B0-DDE68D32E938}"/>
+              </a:ext>
+            </a:extLst>
+          </p:cNvPr>
+          <p:cNvSpPr txBox="1"/>
+          <p:nvPr/>
+        </p:nvSpPr>
+        <p:spPr>
+          <a:xfrm>
+            <a:off x="1055862" y="1511468"/>
+            <a:ext cx="10308824" cy="3046988"/>
+          </a:xfrm>
+          <a:prstGeom prst="rect">
+            <a:avLst/>
+          </a:prstGeom>
+          <a:noFill/>
+        </p:spPr>
+        <p:txBody>
+          <a:bodyPr wrap="square" rtlCol="0">
+            <a:spAutoFit/>
+          </a:bodyPr>
+          <a:lstStyle/>
+          <a:p>
+            <a:pPr algn="ctr"/>
+            <a:r>
+              <a:rPr lang="en-US" sz="9600" b="1" dirty="0">
+                <a:solidFill>
+                  <a:srgbClr val="0000FF"/>
+                </a:solidFill>
+              </a:rPr>
+              <a:t>Preview the CNC cutting operation</a:t>
+            </a:r>
+          </a:p>
+        </p:txBody>
+      </p:sp>
+    </p:spTree>
+    <p:extLst>
+      <p:ext uri="{BB962C8B-B14F-4D97-AF65-F5344CB8AC3E}">
+        <p14:creationId xmlns:p14="http://schemas.microsoft.com/office/powerpoint/2010/main" val="2797151177"/>
+      </p:ext>
+    </p:extLst>
+  </p:cSld>
+  <p:clrMapOvr>
+    <a:masterClrMapping/>
+  </p:clrMapOvr>
+</p:sld>
+</file>
+
+<file path=ppt/slides/slide7.xml><?xml version="1.0" encoding="utf-8"?>
+<p:sld xmlns:a="http://schemas.openxmlformats.org/drawingml/2006/main" xmlns:r="http://schemas.openxmlformats.org/officeDocument/2006/relationships" xmlns:p="http://schemas.openxmlformats.org/presentationml/2006/main">
+  <p:cSld>
+    <p:spTree>
+      <p:nvGrpSpPr>
+        <p:cNvPr id="1" name=""/>
+        <p:cNvGrpSpPr/>
+        <p:nvPr/>
+      </p:nvGrpSpPr>
+      <p:grpSpPr>
+        <a:xfrm>
+          <a:off x="0" y="0"/>
+          <a:ext cx="0" cy="0"/>
+          <a:chOff x="0" y="0"/>
+          <a:chExt cx="0" cy="0"/>
+        </a:xfrm>
+      </p:grpSpPr>
+      <p:sp>
+        <p:nvSpPr>
+          <p:cNvPr id="4" name="TextBox 3">
+            <a:extLst>
+              <a:ext uri="{FF2B5EF4-FFF2-40B4-BE49-F238E27FC236}">
+                <a16:creationId xmlns:a16="http://schemas.microsoft.com/office/drawing/2014/main" id="{D18E1B1B-D8C6-3F5A-04B0-DDE68D32E938}"/>
+              </a:ext>
+            </a:extLst>
+          </p:cNvPr>
+          <p:cNvSpPr txBox="1"/>
+          <p:nvPr/>
+        </p:nvSpPr>
+        <p:spPr>
+          <a:xfrm>
+            <a:off x="1055862" y="1511468"/>
+            <a:ext cx="10308824" cy="1569660"/>
+          </a:xfrm>
+          <a:prstGeom prst="rect">
+            <a:avLst/>
+          </a:prstGeom>
+          <a:noFill/>
+        </p:spPr>
+        <p:txBody>
+          <a:bodyPr wrap="square" rtlCol="0">
+            <a:spAutoFit/>
+          </a:bodyPr>
+          <a:lstStyle/>
+          <a:p>
+            <a:pPr algn="ctr"/>
+            <a:r>
+              <a:rPr lang="en-US" sz="9600" b="1">
+                <a:solidFill>
+                  <a:srgbClr val="0000FF"/>
+                </a:solidFill>
+              </a:rPr>
+              <a:t>--</a:t>
+            </a:r>
+            <a:endParaRPr lang="en-US" sz="9600" b="1" dirty="0">
+              <a:solidFill>
+                <a:srgbClr val="0000FF"/>
+              </a:solidFill>
+            </a:endParaRPr>
+          </a:p>
+        </p:txBody>
+      </p:sp>
+    </p:spTree>
+    <p:extLst>
+      <p:ext uri="{BB962C8B-B14F-4D97-AF65-F5344CB8AC3E}">
+        <p14:creationId xmlns:p14="http://schemas.microsoft.com/office/powerpoint/2010/main" val="2882232717"/>
+      </p:ext>
+    </p:extLst>
+  </p:cSld>
+  <p:clrMapOvr>
+    <a:masterClrMapping/>
+  </p:clrMapOvr>
+</p:sld>
+</file>
+
+<file path=ppt/slides/slide8.xml><?xml version="1.0" encoding="utf-8"?>
+<p:sld xmlns:a="http://schemas.openxmlformats.org/drawingml/2006/main" xmlns:r="http://schemas.openxmlformats.org/officeDocument/2006/relationships" xmlns:p="http://schemas.openxmlformats.org/presentationml/2006/main">
+  <p:cSld>
+    <p:spTree>
+      <p:nvGrpSpPr>
+        <p:cNvPr id="1" name=""/>
+        <p:cNvGrpSpPr/>
+        <p:nvPr/>
+      </p:nvGrpSpPr>
+      <p:grpSpPr>
+        <a:xfrm>
+          <a:off x="0" y="0"/>
+          <a:ext cx="0" cy="0"/>
+          <a:chOff x="0" y="0"/>
+          <a:chExt cx="0" cy="0"/>
+        </a:xfrm>
+      </p:grpSpPr>
+      <p:sp>
+        <p:nvSpPr>
+          <p:cNvPr id="4" name="TextBox 3">
+            <a:extLst>
+              <a:ext uri="{FF2B5EF4-FFF2-40B4-BE49-F238E27FC236}">
+                <a16:creationId xmlns:a16="http://schemas.microsoft.com/office/drawing/2014/main" id="{D18E1B1B-D8C6-3F5A-04B0-DDE68D32E938}"/>
+              </a:ext>
+            </a:extLst>
+          </p:cNvPr>
+          <p:cNvSpPr txBox="1"/>
+          <p:nvPr/>
+        </p:nvSpPr>
+        <p:spPr>
+          <a:xfrm>
+            <a:off x="1055862" y="1511468"/>
+            <a:ext cx="10308824" cy="1569660"/>
+          </a:xfrm>
+          <a:prstGeom prst="rect">
+            <a:avLst/>
+          </a:prstGeom>
+          <a:noFill/>
+        </p:spPr>
+        <p:txBody>
+          <a:bodyPr wrap="square" rtlCol="0">
+            <a:spAutoFit/>
+          </a:bodyPr>
+          <a:lstStyle/>
+          <a:p>
+            <a:pPr algn="ctr"/>
+            <a:r>
+              <a:rPr lang="en-US" sz="9600" b="1">
+                <a:solidFill>
+                  <a:srgbClr val="0000FF"/>
+                </a:solidFill>
+              </a:rPr>
+              <a:t>--</a:t>
+            </a:r>
+            <a:endParaRPr lang="en-US" sz="9600" b="1" dirty="0">
+              <a:solidFill>
+                <a:srgbClr val="0000FF"/>
+              </a:solidFill>
+            </a:endParaRPr>
+          </a:p>
+        </p:txBody>
+      </p:sp>
+    </p:spTree>
+    <p:extLst>
+      <p:ext uri="{BB962C8B-B14F-4D97-AF65-F5344CB8AC3E}">
+        <p14:creationId xmlns:p14="http://schemas.microsoft.com/office/powerpoint/2010/main" val="2115526280"/>
+      </p:ext>
+    </p:extLst>
+  </p:cSld>
+  <p:clrMapOvr>
+    <a:masterClrMapping/>
+  </p:clrMapOvr>
+</p:sld>
+</file>
+
+<file path=ppt/slides/slide9.xml><?xml version="1.0" encoding="utf-8"?>
+<p:sld xmlns:a="http://schemas.openxmlformats.org/drawingml/2006/main" xmlns:r="http://schemas.openxmlformats.org/officeDocument/2006/relationships" xmlns:p="http://schemas.openxmlformats.org/presentationml/2006/main">
+  <p:cSld>
+    <p:spTree>
+      <p:nvGrpSpPr>
+        <p:cNvPr id="1" name=""/>
+        <p:cNvGrpSpPr/>
+        <p:nvPr/>
+      </p:nvGrpSpPr>
+      <p:grpSpPr>
+        <a:xfrm>
+          <a:off x="0" y="0"/>
+          <a:ext cx="0" cy="0"/>
+          <a:chOff x="0" y="0"/>
+          <a:chExt cx="0" cy="0"/>
+        </a:xfrm>
+      </p:grpSpPr>
+      <p:sp>
+        <p:nvSpPr>
+          <p:cNvPr id="4" name="TextBox 3">
+            <a:extLst>
+              <a:ext uri="{FF2B5EF4-FFF2-40B4-BE49-F238E27FC236}">
+                <a16:creationId xmlns:a16="http://schemas.microsoft.com/office/drawing/2014/main" id="{D18E1B1B-D8C6-3F5A-04B0-DDE68D32E938}"/>
+              </a:ext>
+            </a:extLst>
+          </p:cNvPr>
+          <p:cNvSpPr txBox="1"/>
+          <p:nvPr/>
+        </p:nvSpPr>
+        <p:spPr>
+          <a:xfrm>
+            <a:off x="1055862" y="1511468"/>
+            <a:ext cx="10308824" cy="1569660"/>
+          </a:xfrm>
+          <a:prstGeom prst="rect">
+            <a:avLst/>
+          </a:prstGeom>
+          <a:noFill/>
+        </p:spPr>
+        <p:txBody>
+          <a:bodyPr wrap="square" rtlCol="0">
+            <a:spAutoFit/>
+          </a:bodyPr>
+          <a:lstStyle/>
+          <a:p>
+            <a:pPr algn="ctr"/>
+            <a:r>
+              <a:rPr lang="en-US" sz="9600" b="1">
+                <a:solidFill>
+                  <a:srgbClr val="0000FF"/>
+                </a:solidFill>
+              </a:rPr>
+              <a:t>--</a:t>
+            </a:r>
+            <a:endParaRPr lang="en-US" sz="9600" b="1" dirty="0">
+              <a:solidFill>
+                <a:srgbClr val="0000FF"/>
+              </a:solidFill>
+            </a:endParaRPr>
+          </a:p>
+        </p:txBody>
+      </p:sp>
+    </p:spTree>
+    <p:extLst>
+      <p:ext uri="{BB962C8B-B14F-4D97-AF65-F5344CB8AC3E}">
+        <p14:creationId xmlns:p14="http://schemas.microsoft.com/office/powerpoint/2010/main" val="2117738329"/>
       </p:ext>
     </p:extLst>
   </p:cSld>
